--- a/gui/inspi/Logo.pptx
+++ b/gui/inspi/Logo.pptx
@@ -7,15 +7,16 @@
   <p:sldIdLst>
     <p:sldId id="263" r:id="rId2"/>
     <p:sldId id="266" r:id="rId3"/>
-    <p:sldId id="256" r:id="rId4"/>
-    <p:sldId id="257" r:id="rId5"/>
-    <p:sldId id="259" r:id="rId6"/>
-    <p:sldId id="264" r:id="rId7"/>
-    <p:sldId id="258" r:id="rId8"/>
-    <p:sldId id="260" r:id="rId9"/>
-    <p:sldId id="261" r:id="rId10"/>
-    <p:sldId id="262" r:id="rId11"/>
-    <p:sldId id="265" r:id="rId12"/>
+    <p:sldId id="267" r:id="rId4"/>
+    <p:sldId id="256" r:id="rId5"/>
+    <p:sldId id="257" r:id="rId6"/>
+    <p:sldId id="259" r:id="rId7"/>
+    <p:sldId id="264" r:id="rId8"/>
+    <p:sldId id="258" r:id="rId9"/>
+    <p:sldId id="260" r:id="rId10"/>
+    <p:sldId id="261" r:id="rId11"/>
+    <p:sldId id="262" r:id="rId12"/>
+    <p:sldId id="265" r:id="rId13"/>
   </p:sldIdLst>
   <p:sldSz cx="12192000" cy="6858000"/>
   <p:notesSz cx="6858000" cy="9144000"/>
@@ -121,6 +122,7 @@
           <p14:sldIdLst>
             <p14:sldId id="263"/>
             <p14:sldId id="266"/>
+            <p14:sldId id="267"/>
           </p14:sldIdLst>
         </p14:section>
         <p14:section name="Draft" id="{400E3DF6-0BFD-4D17-A6D6-1750C37326F4}">
@@ -292,7 +294,7 @@
           <a:p>
             <a:fld id="{95C7B0E6-3316-423B-9018-C3A04AC6240B}" type="datetimeFigureOut">
               <a:rPr lang="en-US" smtClean="0"/>
-              <a:t>2/2/2025</a:t>
+              <a:t>2/15/2025</a:t>
             </a:fld>
             <a:endParaRPr lang="en-US"/>
           </a:p>
@@ -490,7 +492,7 @@
           <a:p>
             <a:fld id="{95C7B0E6-3316-423B-9018-C3A04AC6240B}" type="datetimeFigureOut">
               <a:rPr lang="en-US" smtClean="0"/>
-              <a:t>2/2/2025</a:t>
+              <a:t>2/15/2025</a:t>
             </a:fld>
             <a:endParaRPr lang="en-US"/>
           </a:p>
@@ -698,7 +700,7 @@
           <a:p>
             <a:fld id="{95C7B0E6-3316-423B-9018-C3A04AC6240B}" type="datetimeFigureOut">
               <a:rPr lang="en-US" smtClean="0"/>
-              <a:t>2/2/2025</a:t>
+              <a:t>2/15/2025</a:t>
             </a:fld>
             <a:endParaRPr lang="en-US"/>
           </a:p>
@@ -896,7 +898,7 @@
           <a:p>
             <a:fld id="{95C7B0E6-3316-423B-9018-C3A04AC6240B}" type="datetimeFigureOut">
               <a:rPr lang="en-US" smtClean="0"/>
-              <a:t>2/2/2025</a:t>
+              <a:t>2/15/2025</a:t>
             </a:fld>
             <a:endParaRPr lang="en-US"/>
           </a:p>
@@ -1171,7 +1173,7 @@
           <a:p>
             <a:fld id="{95C7B0E6-3316-423B-9018-C3A04AC6240B}" type="datetimeFigureOut">
               <a:rPr lang="en-US" smtClean="0"/>
-              <a:t>2/2/2025</a:t>
+              <a:t>2/15/2025</a:t>
             </a:fld>
             <a:endParaRPr lang="en-US"/>
           </a:p>
@@ -1436,7 +1438,7 @@
           <a:p>
             <a:fld id="{95C7B0E6-3316-423B-9018-C3A04AC6240B}" type="datetimeFigureOut">
               <a:rPr lang="en-US" smtClean="0"/>
-              <a:t>2/2/2025</a:t>
+              <a:t>2/15/2025</a:t>
             </a:fld>
             <a:endParaRPr lang="en-US"/>
           </a:p>
@@ -1848,7 +1850,7 @@
           <a:p>
             <a:fld id="{95C7B0E6-3316-423B-9018-C3A04AC6240B}" type="datetimeFigureOut">
               <a:rPr lang="en-US" smtClean="0"/>
-              <a:t>2/2/2025</a:t>
+              <a:t>2/15/2025</a:t>
             </a:fld>
             <a:endParaRPr lang="en-US"/>
           </a:p>
@@ -1989,7 +1991,7 @@
           <a:p>
             <a:fld id="{95C7B0E6-3316-423B-9018-C3A04AC6240B}" type="datetimeFigureOut">
               <a:rPr lang="en-US" smtClean="0"/>
-              <a:t>2/2/2025</a:t>
+              <a:t>2/15/2025</a:t>
             </a:fld>
             <a:endParaRPr lang="en-US"/>
           </a:p>
@@ -2102,7 +2104,7 @@
           <a:p>
             <a:fld id="{95C7B0E6-3316-423B-9018-C3A04AC6240B}" type="datetimeFigureOut">
               <a:rPr lang="en-US" smtClean="0"/>
-              <a:t>2/2/2025</a:t>
+              <a:t>2/15/2025</a:t>
             </a:fld>
             <a:endParaRPr lang="en-US"/>
           </a:p>
@@ -2413,7 +2415,7 @@
           <a:p>
             <a:fld id="{95C7B0E6-3316-423B-9018-C3A04AC6240B}" type="datetimeFigureOut">
               <a:rPr lang="en-US" smtClean="0"/>
-              <a:t>2/2/2025</a:t>
+              <a:t>2/15/2025</a:t>
             </a:fld>
             <a:endParaRPr lang="en-US"/>
           </a:p>
@@ -2701,7 +2703,7 @@
           <a:p>
             <a:fld id="{95C7B0E6-3316-423B-9018-C3A04AC6240B}" type="datetimeFigureOut">
               <a:rPr lang="en-US" smtClean="0"/>
-              <a:t>2/2/2025</a:t>
+              <a:t>2/15/2025</a:t>
             </a:fld>
             <a:endParaRPr lang="en-US"/>
           </a:p>
@@ -2942,7 +2944,7 @@
           <a:p>
             <a:fld id="{95C7B0E6-3316-423B-9018-C3A04AC6240B}" type="datetimeFigureOut">
               <a:rPr lang="en-US" smtClean="0"/>
-              <a:t>2/2/2025</a:t>
+              <a:t>2/15/2025</a:t>
             </a:fld>
             <a:endParaRPr lang="en-US"/>
           </a:p>
@@ -3875,6 +3877,571 @@
         <p:cNvPr id="1" name="">
           <a:extLst>
             <a:ext uri="{FF2B5EF4-FFF2-40B4-BE49-F238E27FC236}">
+              <a16:creationId xmlns:a16="http://schemas.microsoft.com/office/drawing/2014/main" id="{963792F3-5258-B44A-DFDD-65D4AB53C4A4}"/>
+            </a:ext>
+          </a:extLst>
+        </p:cNvPr>
+        <p:cNvGrpSpPr/>
+        <p:nvPr/>
+      </p:nvGrpSpPr>
+      <p:grpSpPr>
+        <a:xfrm>
+          <a:off x="0" y="0"/>
+          <a:ext cx="0" cy="0"/>
+          <a:chOff x="0" y="0"/>
+          <a:chExt cx="0" cy="0"/>
+        </a:xfrm>
+      </p:grpSpPr>
+      <p:sp>
+        <p:nvSpPr>
+          <p:cNvPr id="6" name="TextBox 5">
+            <a:extLst>
+              <a:ext uri="{FF2B5EF4-FFF2-40B4-BE49-F238E27FC236}">
+                <a16:creationId xmlns:a16="http://schemas.microsoft.com/office/drawing/2014/main" id="{B5D1ABAE-0C93-2F4D-B3E3-CC16EFFB2960}"/>
+              </a:ext>
+            </a:extLst>
+          </p:cNvPr>
+          <p:cNvSpPr txBox="1"/>
+          <p:nvPr/>
+        </p:nvSpPr>
+        <p:spPr>
+          <a:xfrm>
+            <a:off x="4551936" y="2081493"/>
+            <a:ext cx="2737021" cy="738664"/>
+          </a:xfrm>
+          <a:prstGeom prst="rect">
+            <a:avLst/>
+          </a:prstGeom>
+          <a:noFill/>
+        </p:spPr>
+        <p:txBody>
+          <a:bodyPr wrap="square" tIns="0" bIns="0" rtlCol="0" anchor="ctr">
+            <a:spAutoFit/>
+          </a:bodyPr>
+          <a:lstStyle/>
+          <a:p>
+            <a:r>
+              <a:rPr lang="en-US" sz="4800" dirty="0">
+                <a:solidFill>
+                  <a:srgbClr val="3A424B"/>
+                </a:solidFill>
+                <a:latin typeface="Bellefair" panose="00000500000000000000" pitchFamily="2" charset="-79"/>
+                <a:cs typeface="Bellefair" panose="00000500000000000000" pitchFamily="2" charset="-79"/>
+              </a:rPr>
+              <a:t>CAPITAL</a:t>
+            </a:r>
+          </a:p>
+        </p:txBody>
+      </p:sp>
+      <p:sp>
+        <p:nvSpPr>
+          <p:cNvPr id="4" name="Rectangle 3">
+            <a:extLst>
+              <a:ext uri="{FF2B5EF4-FFF2-40B4-BE49-F238E27FC236}">
+                <a16:creationId xmlns:a16="http://schemas.microsoft.com/office/drawing/2014/main" id="{BC560EE2-B102-F04C-17C4-7391833BE9A4}"/>
+              </a:ext>
+            </a:extLst>
+          </p:cNvPr>
+          <p:cNvSpPr/>
+          <p:nvPr/>
+        </p:nvSpPr>
+        <p:spPr>
+          <a:xfrm>
+            <a:off x="3352798" y="685800"/>
+            <a:ext cx="5486400" cy="5486400"/>
+          </a:xfrm>
+          <a:prstGeom prst="rect">
+            <a:avLst/>
+          </a:prstGeom>
+          <a:noFill/>
+          <a:ln>
+            <a:noFill/>
+          </a:ln>
+        </p:spPr>
+        <p:style>
+          <a:lnRef idx="2">
+            <a:schemeClr val="accent1">
+              <a:shade val="15000"/>
+            </a:schemeClr>
+          </a:lnRef>
+          <a:fillRef idx="1">
+            <a:schemeClr val="accent1"/>
+          </a:fillRef>
+          <a:effectRef idx="0">
+            <a:schemeClr val="accent1"/>
+          </a:effectRef>
+          <a:fontRef idx="minor">
+            <a:schemeClr val="lt1"/>
+          </a:fontRef>
+        </p:style>
+        <p:txBody>
+          <a:bodyPr rtlCol="0" anchor="ctr"/>
+          <a:lstStyle/>
+          <a:p>
+            <a:pPr algn="ctr"/>
+            <a:endParaRPr lang="en-US"/>
+          </a:p>
+        </p:txBody>
+      </p:sp>
+      <p:grpSp>
+        <p:nvGrpSpPr>
+          <p:cNvPr id="10" name="Group 9">
+            <a:extLst>
+              <a:ext uri="{FF2B5EF4-FFF2-40B4-BE49-F238E27FC236}">
+                <a16:creationId xmlns:a16="http://schemas.microsoft.com/office/drawing/2014/main" id="{501D348E-7163-DC82-E9D3-C83D284F4F4E}"/>
+              </a:ext>
+            </a:extLst>
+          </p:cNvPr>
+          <p:cNvGrpSpPr/>
+          <p:nvPr/>
+        </p:nvGrpSpPr>
+        <p:grpSpPr>
+          <a:xfrm rot="2700000">
+            <a:off x="2068828" y="863346"/>
+            <a:ext cx="2377440" cy="3645408"/>
+            <a:chOff x="4907278" y="1606296"/>
+            <a:chExt cx="2377440" cy="3645408"/>
+          </a:xfrm>
+        </p:grpSpPr>
+        <p:sp>
+          <p:nvSpPr>
+            <p:cNvPr id="5" name="Arc 4">
+              <a:extLst>
+                <a:ext uri="{FF2B5EF4-FFF2-40B4-BE49-F238E27FC236}">
+                  <a16:creationId xmlns:a16="http://schemas.microsoft.com/office/drawing/2014/main" id="{2D4B8A0E-5B61-21D7-9A98-117D8205996C}"/>
+                </a:ext>
+              </a:extLst>
+            </p:cNvPr>
+            <p:cNvSpPr/>
+            <p:nvPr/>
+          </p:nvSpPr>
+          <p:spPr>
+            <a:xfrm>
+              <a:off x="4907278" y="2240280"/>
+              <a:ext cx="2377440" cy="2377440"/>
+            </a:xfrm>
+            <a:prstGeom prst="arc">
+              <a:avLst>
+                <a:gd name="adj1" fmla="val 6123059"/>
+                <a:gd name="adj2" fmla="val 4685514"/>
+              </a:avLst>
+            </a:prstGeom>
+            <a:noFill/>
+            <a:ln w="76200">
+              <a:solidFill>
+                <a:srgbClr val="3264B4"/>
+              </a:solidFill>
+            </a:ln>
+          </p:spPr>
+          <p:style>
+            <a:lnRef idx="2">
+              <a:schemeClr val="accent1"/>
+            </a:lnRef>
+            <a:fillRef idx="0">
+              <a:schemeClr val="accent1"/>
+            </a:fillRef>
+            <a:effectRef idx="1">
+              <a:schemeClr val="accent1"/>
+            </a:effectRef>
+            <a:fontRef idx="minor">
+              <a:schemeClr val="tx1"/>
+            </a:fontRef>
+          </p:style>
+          <p:txBody>
+            <a:bodyPr rtlCol="0" anchor="ctr"/>
+            <a:lstStyle/>
+            <a:p>
+              <a:pPr algn="ctr"/>
+              <a:endParaRPr lang="en-US"/>
+            </a:p>
+          </p:txBody>
+        </p:sp>
+        <p:sp>
+          <p:nvSpPr>
+            <p:cNvPr id="9" name="Diamond 8">
+              <a:extLst>
+                <a:ext uri="{FF2B5EF4-FFF2-40B4-BE49-F238E27FC236}">
+                  <a16:creationId xmlns:a16="http://schemas.microsoft.com/office/drawing/2014/main" id="{0A487B34-A231-577E-B130-E59765FF0AF6}"/>
+                </a:ext>
+              </a:extLst>
+            </p:cNvPr>
+            <p:cNvSpPr/>
+            <p:nvPr/>
+          </p:nvSpPr>
+          <p:spPr>
+            <a:xfrm flipH="1">
+              <a:off x="6004558" y="1606296"/>
+              <a:ext cx="182880" cy="3645408"/>
+            </a:xfrm>
+            <a:prstGeom prst="diamond">
+              <a:avLst/>
+            </a:prstGeom>
+            <a:solidFill>
+              <a:srgbClr val="3A424B"/>
+            </a:solidFill>
+            <a:ln>
+              <a:noFill/>
+            </a:ln>
+          </p:spPr>
+          <p:style>
+            <a:lnRef idx="2">
+              <a:schemeClr val="accent1">
+                <a:shade val="15000"/>
+              </a:schemeClr>
+            </a:lnRef>
+            <a:fillRef idx="1">
+              <a:schemeClr val="accent1"/>
+            </a:fillRef>
+            <a:effectRef idx="0">
+              <a:schemeClr val="accent1"/>
+            </a:effectRef>
+            <a:fontRef idx="minor">
+              <a:schemeClr val="lt1"/>
+            </a:fontRef>
+          </p:style>
+          <p:txBody>
+            <a:bodyPr rtlCol="0" anchor="ctr"/>
+            <a:lstStyle/>
+            <a:p>
+              <a:pPr algn="ctr"/>
+              <a:endParaRPr lang="en-US"/>
+            </a:p>
+          </p:txBody>
+        </p:sp>
+        <p:sp>
+          <p:nvSpPr>
+            <p:cNvPr id="12" name="Isosceles Triangle 10">
+              <a:extLst>
+                <a:ext uri="{FF2B5EF4-FFF2-40B4-BE49-F238E27FC236}">
+                  <a16:creationId xmlns:a16="http://schemas.microsoft.com/office/drawing/2014/main" id="{2DA9FCB6-69EF-3D47-BFFF-DD0F050585BC}"/>
+                </a:ext>
+              </a:extLst>
+            </p:cNvPr>
+            <p:cNvSpPr/>
+            <p:nvPr/>
+          </p:nvSpPr>
+          <p:spPr>
+            <a:xfrm flipH="1">
+              <a:off x="5672765" y="1944409"/>
+              <a:ext cx="192405" cy="2694432"/>
+            </a:xfrm>
+            <a:custGeom>
+              <a:avLst/>
+              <a:gdLst>
+                <a:gd name="connsiteX0" fmla="*/ 0 w 182880"/>
+                <a:gd name="connsiteY0" fmla="*/ 5029200 h 5029200"/>
+                <a:gd name="connsiteX1" fmla="*/ 91440 w 182880"/>
+                <a:gd name="connsiteY1" fmla="*/ 0 h 5029200"/>
+                <a:gd name="connsiteX2" fmla="*/ 182880 w 182880"/>
+                <a:gd name="connsiteY2" fmla="*/ 5029200 h 5029200"/>
+                <a:gd name="connsiteX3" fmla="*/ 0 w 182880"/>
+                <a:gd name="connsiteY3" fmla="*/ 5029200 h 5029200"/>
+                <a:gd name="connsiteX0" fmla="*/ 0 w 182880"/>
+                <a:gd name="connsiteY0" fmla="*/ 5075853 h 5075853"/>
+                <a:gd name="connsiteX1" fmla="*/ 91440 w 182880"/>
+                <a:gd name="connsiteY1" fmla="*/ 0 h 5075853"/>
+                <a:gd name="connsiteX2" fmla="*/ 182880 w 182880"/>
+                <a:gd name="connsiteY2" fmla="*/ 5029200 h 5075853"/>
+                <a:gd name="connsiteX3" fmla="*/ 0 w 182880"/>
+                <a:gd name="connsiteY3" fmla="*/ 5075853 h 5075853"/>
+                <a:gd name="connsiteX0" fmla="*/ 0 w 192405"/>
+                <a:gd name="connsiteY0" fmla="*/ 5075853 h 5075853"/>
+                <a:gd name="connsiteX1" fmla="*/ 91440 w 192405"/>
+                <a:gd name="connsiteY1" fmla="*/ 0 h 5075853"/>
+                <a:gd name="connsiteX2" fmla="*/ 192405 w 192405"/>
+                <a:gd name="connsiteY2" fmla="*/ 5011256 h 5075853"/>
+                <a:gd name="connsiteX3" fmla="*/ 0 w 192405"/>
+                <a:gd name="connsiteY3" fmla="*/ 5075853 h 5075853"/>
+                <a:gd name="connsiteX0" fmla="*/ 0 w 192405"/>
+                <a:gd name="connsiteY0" fmla="*/ 5075853 h 5075853"/>
+                <a:gd name="connsiteX1" fmla="*/ 91440 w 192405"/>
+                <a:gd name="connsiteY1" fmla="*/ 0 h 5075853"/>
+                <a:gd name="connsiteX2" fmla="*/ 192405 w 192405"/>
+                <a:gd name="connsiteY2" fmla="*/ 4985288 h 5075853"/>
+                <a:gd name="connsiteX3" fmla="*/ 0 w 192405"/>
+                <a:gd name="connsiteY3" fmla="*/ 5075853 h 5075853"/>
+                <a:gd name="connsiteX0" fmla="*/ 0 w 192405"/>
+                <a:gd name="connsiteY0" fmla="*/ 5075853 h 5075853"/>
+                <a:gd name="connsiteX1" fmla="*/ 91440 w 192405"/>
+                <a:gd name="connsiteY1" fmla="*/ 0 h 5075853"/>
+                <a:gd name="connsiteX2" fmla="*/ 192405 w 192405"/>
+                <a:gd name="connsiteY2" fmla="*/ 4942007 h 5075853"/>
+                <a:gd name="connsiteX3" fmla="*/ 0 w 192405"/>
+                <a:gd name="connsiteY3" fmla="*/ 5075853 h 5075853"/>
+                <a:gd name="connsiteX0" fmla="*/ 0 w 192405"/>
+                <a:gd name="connsiteY0" fmla="*/ 5075853 h 5075853"/>
+                <a:gd name="connsiteX1" fmla="*/ 91440 w 192405"/>
+                <a:gd name="connsiteY1" fmla="*/ 0 h 5075853"/>
+                <a:gd name="connsiteX2" fmla="*/ 192405 w 192405"/>
+                <a:gd name="connsiteY2" fmla="*/ 4985288 h 5075853"/>
+                <a:gd name="connsiteX3" fmla="*/ 0 w 192405"/>
+                <a:gd name="connsiteY3" fmla="*/ 5075853 h 5075853"/>
+              </a:gdLst>
+              <a:ahLst/>
+              <a:cxnLst>
+                <a:cxn ang="0">
+                  <a:pos x="connsiteX0" y="connsiteY0"/>
+                </a:cxn>
+                <a:cxn ang="0">
+                  <a:pos x="connsiteX1" y="connsiteY1"/>
+                </a:cxn>
+                <a:cxn ang="0">
+                  <a:pos x="connsiteX2" y="connsiteY2"/>
+                </a:cxn>
+                <a:cxn ang="0">
+                  <a:pos x="connsiteX3" y="connsiteY3"/>
+                </a:cxn>
+              </a:cxnLst>
+              <a:rect l="l" t="t" r="r" b="b"/>
+              <a:pathLst>
+                <a:path w="192405" h="5075853">
+                  <a:moveTo>
+                    <a:pt x="0" y="5075853"/>
+                  </a:moveTo>
+                  <a:lnTo>
+                    <a:pt x="91440" y="0"/>
+                  </a:lnTo>
+                  <a:lnTo>
+                    <a:pt x="192405" y="4985288"/>
+                  </a:lnTo>
+                  <a:lnTo>
+                    <a:pt x="0" y="5075853"/>
+                  </a:lnTo>
+                  <a:close/>
+                </a:path>
+              </a:pathLst>
+            </a:custGeom>
+            <a:solidFill>
+              <a:srgbClr val="B3BAC5"/>
+            </a:solidFill>
+            <a:ln>
+              <a:noFill/>
+            </a:ln>
+          </p:spPr>
+          <p:style>
+            <a:lnRef idx="2">
+              <a:schemeClr val="accent1">
+                <a:shade val="15000"/>
+              </a:schemeClr>
+            </a:lnRef>
+            <a:fillRef idx="1">
+              <a:schemeClr val="accent1"/>
+            </a:fillRef>
+            <a:effectRef idx="0">
+              <a:schemeClr val="accent1"/>
+            </a:effectRef>
+            <a:fontRef idx="minor">
+              <a:schemeClr val="lt1"/>
+            </a:fontRef>
+          </p:style>
+          <p:txBody>
+            <a:bodyPr rtlCol="0" anchor="ctr"/>
+            <a:lstStyle/>
+            <a:p>
+              <a:pPr algn="ctr"/>
+              <a:endParaRPr lang="en-US"/>
+            </a:p>
+          </p:txBody>
+        </p:sp>
+        <p:sp>
+          <p:nvSpPr>
+            <p:cNvPr id="8" name="Isosceles Triangle 10">
+              <a:extLst>
+                <a:ext uri="{FF2B5EF4-FFF2-40B4-BE49-F238E27FC236}">
+                  <a16:creationId xmlns:a16="http://schemas.microsoft.com/office/drawing/2014/main" id="{253268CC-688F-366E-E9A2-E6C41A65CC40}"/>
+                </a:ext>
+              </a:extLst>
+            </p:cNvPr>
+            <p:cNvSpPr/>
+            <p:nvPr/>
+          </p:nvSpPr>
+          <p:spPr>
+            <a:xfrm>
+              <a:off x="6326826" y="1944409"/>
+              <a:ext cx="192405" cy="2694432"/>
+            </a:xfrm>
+            <a:custGeom>
+              <a:avLst/>
+              <a:gdLst>
+                <a:gd name="connsiteX0" fmla="*/ 0 w 182880"/>
+                <a:gd name="connsiteY0" fmla="*/ 5029200 h 5029200"/>
+                <a:gd name="connsiteX1" fmla="*/ 91440 w 182880"/>
+                <a:gd name="connsiteY1" fmla="*/ 0 h 5029200"/>
+                <a:gd name="connsiteX2" fmla="*/ 182880 w 182880"/>
+                <a:gd name="connsiteY2" fmla="*/ 5029200 h 5029200"/>
+                <a:gd name="connsiteX3" fmla="*/ 0 w 182880"/>
+                <a:gd name="connsiteY3" fmla="*/ 5029200 h 5029200"/>
+                <a:gd name="connsiteX0" fmla="*/ 0 w 182880"/>
+                <a:gd name="connsiteY0" fmla="*/ 5075853 h 5075853"/>
+                <a:gd name="connsiteX1" fmla="*/ 91440 w 182880"/>
+                <a:gd name="connsiteY1" fmla="*/ 0 h 5075853"/>
+                <a:gd name="connsiteX2" fmla="*/ 182880 w 182880"/>
+                <a:gd name="connsiteY2" fmla="*/ 5029200 h 5075853"/>
+                <a:gd name="connsiteX3" fmla="*/ 0 w 182880"/>
+                <a:gd name="connsiteY3" fmla="*/ 5075853 h 5075853"/>
+                <a:gd name="connsiteX0" fmla="*/ 0 w 192405"/>
+                <a:gd name="connsiteY0" fmla="*/ 5075853 h 5075853"/>
+                <a:gd name="connsiteX1" fmla="*/ 91440 w 192405"/>
+                <a:gd name="connsiteY1" fmla="*/ 0 h 5075853"/>
+                <a:gd name="connsiteX2" fmla="*/ 192405 w 192405"/>
+                <a:gd name="connsiteY2" fmla="*/ 5011256 h 5075853"/>
+                <a:gd name="connsiteX3" fmla="*/ 0 w 192405"/>
+                <a:gd name="connsiteY3" fmla="*/ 5075853 h 5075853"/>
+                <a:gd name="connsiteX0" fmla="*/ 0 w 192405"/>
+                <a:gd name="connsiteY0" fmla="*/ 5075853 h 5075853"/>
+                <a:gd name="connsiteX1" fmla="*/ 91440 w 192405"/>
+                <a:gd name="connsiteY1" fmla="*/ 0 h 5075853"/>
+                <a:gd name="connsiteX2" fmla="*/ 192405 w 192405"/>
+                <a:gd name="connsiteY2" fmla="*/ 4985288 h 5075853"/>
+                <a:gd name="connsiteX3" fmla="*/ 0 w 192405"/>
+                <a:gd name="connsiteY3" fmla="*/ 5075853 h 5075853"/>
+                <a:gd name="connsiteX0" fmla="*/ 0 w 192405"/>
+                <a:gd name="connsiteY0" fmla="*/ 5075853 h 5075853"/>
+                <a:gd name="connsiteX1" fmla="*/ 91440 w 192405"/>
+                <a:gd name="connsiteY1" fmla="*/ 0 h 5075853"/>
+                <a:gd name="connsiteX2" fmla="*/ 192405 w 192405"/>
+                <a:gd name="connsiteY2" fmla="*/ 4942007 h 5075853"/>
+                <a:gd name="connsiteX3" fmla="*/ 0 w 192405"/>
+                <a:gd name="connsiteY3" fmla="*/ 5075853 h 5075853"/>
+                <a:gd name="connsiteX0" fmla="*/ 0 w 192405"/>
+                <a:gd name="connsiteY0" fmla="*/ 5075853 h 5075853"/>
+                <a:gd name="connsiteX1" fmla="*/ 91440 w 192405"/>
+                <a:gd name="connsiteY1" fmla="*/ 0 h 5075853"/>
+                <a:gd name="connsiteX2" fmla="*/ 192405 w 192405"/>
+                <a:gd name="connsiteY2" fmla="*/ 4985288 h 5075853"/>
+                <a:gd name="connsiteX3" fmla="*/ 0 w 192405"/>
+                <a:gd name="connsiteY3" fmla="*/ 5075853 h 5075853"/>
+              </a:gdLst>
+              <a:ahLst/>
+              <a:cxnLst>
+                <a:cxn ang="0">
+                  <a:pos x="connsiteX0" y="connsiteY0"/>
+                </a:cxn>
+                <a:cxn ang="0">
+                  <a:pos x="connsiteX1" y="connsiteY1"/>
+                </a:cxn>
+                <a:cxn ang="0">
+                  <a:pos x="connsiteX2" y="connsiteY2"/>
+                </a:cxn>
+                <a:cxn ang="0">
+                  <a:pos x="connsiteX3" y="connsiteY3"/>
+                </a:cxn>
+              </a:cxnLst>
+              <a:rect l="l" t="t" r="r" b="b"/>
+              <a:pathLst>
+                <a:path w="192405" h="5075853">
+                  <a:moveTo>
+                    <a:pt x="0" y="5075853"/>
+                  </a:moveTo>
+                  <a:lnTo>
+                    <a:pt x="91440" y="0"/>
+                  </a:lnTo>
+                  <a:lnTo>
+                    <a:pt x="192405" y="4985288"/>
+                  </a:lnTo>
+                  <a:lnTo>
+                    <a:pt x="0" y="5075853"/>
+                  </a:lnTo>
+                  <a:close/>
+                </a:path>
+              </a:pathLst>
+            </a:custGeom>
+            <a:solidFill>
+              <a:srgbClr val="B3BAC5"/>
+            </a:solidFill>
+            <a:ln>
+              <a:noFill/>
+            </a:ln>
+          </p:spPr>
+          <p:style>
+            <a:lnRef idx="2">
+              <a:schemeClr val="accent1">
+                <a:shade val="15000"/>
+              </a:schemeClr>
+            </a:lnRef>
+            <a:fillRef idx="1">
+              <a:schemeClr val="accent1"/>
+            </a:fillRef>
+            <a:effectRef idx="0">
+              <a:schemeClr val="accent1"/>
+            </a:effectRef>
+            <a:fontRef idx="minor">
+              <a:schemeClr val="lt1"/>
+            </a:fontRef>
+          </p:style>
+          <p:txBody>
+            <a:bodyPr rtlCol="0" anchor="ctr"/>
+            <a:lstStyle/>
+            <a:p>
+              <a:pPr algn="ctr"/>
+              <a:endParaRPr lang="en-US"/>
+            </a:p>
+          </p:txBody>
+        </p:sp>
+      </p:grpSp>
+      <p:sp>
+        <p:nvSpPr>
+          <p:cNvPr id="14" name="TextBox 13">
+            <a:extLst>
+              <a:ext uri="{FF2B5EF4-FFF2-40B4-BE49-F238E27FC236}">
+                <a16:creationId xmlns:a16="http://schemas.microsoft.com/office/drawing/2014/main" id="{0F683D77-A3B4-188E-36DC-F10EFC3770B0}"/>
+              </a:ext>
+            </a:extLst>
+          </p:cNvPr>
+          <p:cNvSpPr txBox="1"/>
+          <p:nvPr/>
+        </p:nvSpPr>
+        <p:spPr>
+          <a:xfrm>
+            <a:off x="4554887" y="2820157"/>
+            <a:ext cx="2829485" cy="677108"/>
+          </a:xfrm>
+          <a:prstGeom prst="rect">
+            <a:avLst/>
+          </a:prstGeom>
+          <a:noFill/>
+        </p:spPr>
+        <p:txBody>
+          <a:bodyPr wrap="square" tIns="0" bIns="0" anchor="ctr">
+            <a:spAutoFit/>
+          </a:bodyPr>
+          <a:lstStyle/>
+          <a:p>
+            <a:r>
+              <a:rPr lang="en-US" sz="4400" dirty="0">
+                <a:solidFill>
+                  <a:srgbClr val="3A424B"/>
+                </a:solidFill>
+                <a:latin typeface="Bellefair" panose="00000500000000000000" pitchFamily="2" charset="-79"/>
+                <a:cs typeface="Bellefair" panose="00000500000000000000" pitchFamily="2" charset="-79"/>
+              </a:rPr>
+              <a:t>TRACKER</a:t>
+            </a:r>
+            <a:endParaRPr lang="en-US" dirty="0"/>
+          </a:p>
+        </p:txBody>
+      </p:sp>
+    </p:spTree>
+    <p:extLst>
+      <p:ext uri="{BB962C8B-B14F-4D97-AF65-F5344CB8AC3E}">
+        <p14:creationId xmlns:p14="http://schemas.microsoft.com/office/powerpoint/2010/main" val="1593228765"/>
+      </p:ext>
+    </p:extLst>
+  </p:cSld>
+  <p:clrMapOvr>
+    <a:masterClrMapping/>
+  </p:clrMapOvr>
+</p:sld>
+</file>
+
+<file path=ppt/slides/slide11.xml><?xml version="1.0" encoding="utf-8"?>
+<p:sld xmlns:a="http://schemas.openxmlformats.org/drawingml/2006/main" xmlns:r="http://schemas.openxmlformats.org/officeDocument/2006/relationships" xmlns:p="http://schemas.openxmlformats.org/presentationml/2006/main" show="0">
+  <p:cSld>
+    <p:spTree>
+      <p:nvGrpSpPr>
+        <p:cNvPr id="1" name="">
+          <a:extLst>
+            <a:ext uri="{FF2B5EF4-FFF2-40B4-BE49-F238E27FC236}">
               <a16:creationId xmlns:a16="http://schemas.microsoft.com/office/drawing/2014/main" id="{65A7BA5D-CBB1-2FF6-A1C4-D28B6052DE17}"/>
             </a:ext>
           </a:extLst>
@@ -4392,7 +4959,7 @@
 </p:sld>
 </file>
 
-<file path=ppt/slides/slide11.xml><?xml version="1.0" encoding="utf-8"?>
+<file path=ppt/slides/slide12.xml><?xml version="1.0" encoding="utf-8"?>
 <p:sld xmlns:a="http://schemas.openxmlformats.org/drawingml/2006/main" xmlns:r="http://schemas.openxmlformats.org/officeDocument/2006/relationships" xmlns:p="http://schemas.openxmlformats.org/presentationml/2006/main" show="0">
   <p:cSld>
     <p:spTree>
@@ -5325,6 +5892,434 @@
 </file>
 
 <file path=ppt/slides/slide3.xml><?xml version="1.0" encoding="utf-8"?>
+<p:sld xmlns:a="http://schemas.openxmlformats.org/drawingml/2006/main" xmlns:r="http://schemas.openxmlformats.org/officeDocument/2006/relationships" xmlns:p="http://schemas.openxmlformats.org/presentationml/2006/main">
+  <p:cSld>
+    <p:spTree>
+      <p:nvGrpSpPr>
+        <p:cNvPr id="1" name="">
+          <a:extLst>
+            <a:ext uri="{FF2B5EF4-FFF2-40B4-BE49-F238E27FC236}">
+              <a16:creationId xmlns:a16="http://schemas.microsoft.com/office/drawing/2014/main" id="{561AC3F2-0DB3-1334-17CD-C35CB8CF6A80}"/>
+            </a:ext>
+          </a:extLst>
+        </p:cNvPr>
+        <p:cNvGrpSpPr/>
+        <p:nvPr/>
+      </p:nvGrpSpPr>
+      <p:grpSpPr>
+        <a:xfrm>
+          <a:off x="0" y="0"/>
+          <a:ext cx="0" cy="0"/>
+          <a:chOff x="0" y="0"/>
+          <a:chExt cx="0" cy="0"/>
+        </a:xfrm>
+      </p:grpSpPr>
+      <p:grpSp>
+        <p:nvGrpSpPr>
+          <p:cNvPr id="2" name="Group 1">
+            <a:extLst>
+              <a:ext uri="{FF2B5EF4-FFF2-40B4-BE49-F238E27FC236}">
+                <a16:creationId xmlns:a16="http://schemas.microsoft.com/office/drawing/2014/main" id="{DCBC83D3-E2FB-1FAB-5086-43296935101C}"/>
+              </a:ext>
+            </a:extLst>
+          </p:cNvPr>
+          <p:cNvGrpSpPr/>
+          <p:nvPr/>
+        </p:nvGrpSpPr>
+        <p:grpSpPr>
+          <a:xfrm>
+            <a:off x="3922773" y="877329"/>
+            <a:ext cx="4346448" cy="3200400"/>
+            <a:chOff x="3922773" y="877329"/>
+            <a:chExt cx="4346448" cy="3200400"/>
+          </a:xfrm>
+        </p:grpSpPr>
+        <p:sp>
+          <p:nvSpPr>
+            <p:cNvPr id="29" name="Rectangle 28">
+              <a:extLst>
+                <a:ext uri="{FF2B5EF4-FFF2-40B4-BE49-F238E27FC236}">
+                  <a16:creationId xmlns:a16="http://schemas.microsoft.com/office/drawing/2014/main" id="{17D9C275-8F82-20B4-7F1E-2E988E902C16}"/>
+                </a:ext>
+              </a:extLst>
+            </p:cNvPr>
+            <p:cNvSpPr>
+              <a:spLocks noChangeAspect="1"/>
+            </p:cNvSpPr>
+            <p:nvPr/>
+          </p:nvSpPr>
+          <p:spPr>
+            <a:xfrm>
+              <a:off x="4495796" y="877329"/>
+              <a:ext cx="3200400" cy="3200400"/>
+            </a:xfrm>
+            <a:prstGeom prst="rect">
+              <a:avLst/>
+            </a:prstGeom>
+            <a:noFill/>
+            <a:ln>
+              <a:noFill/>
+            </a:ln>
+          </p:spPr>
+          <p:style>
+            <a:lnRef idx="2">
+              <a:schemeClr val="accent1">
+                <a:shade val="15000"/>
+              </a:schemeClr>
+            </a:lnRef>
+            <a:fillRef idx="1">
+              <a:schemeClr val="accent1"/>
+            </a:fillRef>
+            <a:effectRef idx="0">
+              <a:schemeClr val="accent1"/>
+            </a:effectRef>
+            <a:fontRef idx="minor">
+              <a:schemeClr val="lt1"/>
+            </a:fontRef>
+          </p:style>
+          <p:txBody>
+            <a:bodyPr rtlCol="0" anchor="ctr"/>
+            <a:lstStyle/>
+            <a:p>
+              <a:pPr algn="ctr"/>
+              <a:endParaRPr lang="en-US"/>
+            </a:p>
+          </p:txBody>
+        </p:sp>
+        <p:sp>
+          <p:nvSpPr>
+            <p:cNvPr id="5" name="Arc 4">
+              <a:extLst>
+                <a:ext uri="{FF2B5EF4-FFF2-40B4-BE49-F238E27FC236}">
+                  <a16:creationId xmlns:a16="http://schemas.microsoft.com/office/drawing/2014/main" id="{70C7975C-8C66-79BD-FCB3-C1A2DCDBBE59}"/>
+                </a:ext>
+              </a:extLst>
+            </p:cNvPr>
+            <p:cNvSpPr/>
+            <p:nvPr/>
+          </p:nvSpPr>
+          <p:spPr>
+            <a:xfrm rot="2700000">
+              <a:off x="4678677" y="1073803"/>
+              <a:ext cx="2834640" cy="2834640"/>
+            </a:xfrm>
+            <a:prstGeom prst="arc">
+              <a:avLst>
+                <a:gd name="adj1" fmla="val 6123059"/>
+                <a:gd name="adj2" fmla="val 4685514"/>
+              </a:avLst>
+            </a:prstGeom>
+            <a:noFill/>
+            <a:ln w="101600">
+              <a:solidFill>
+                <a:srgbClr val="19325A"/>
+              </a:solidFill>
+            </a:ln>
+          </p:spPr>
+          <p:style>
+            <a:lnRef idx="2">
+              <a:schemeClr val="accent1"/>
+            </a:lnRef>
+            <a:fillRef idx="0">
+              <a:schemeClr val="accent1"/>
+            </a:fillRef>
+            <a:effectRef idx="1">
+              <a:schemeClr val="accent1"/>
+            </a:effectRef>
+            <a:fontRef idx="minor">
+              <a:schemeClr val="tx1"/>
+            </a:fontRef>
+          </p:style>
+          <p:txBody>
+            <a:bodyPr rtlCol="0" anchor="ctr"/>
+            <a:lstStyle/>
+            <a:p>
+              <a:pPr algn="ctr"/>
+              <a:endParaRPr lang="en-US"/>
+            </a:p>
+          </p:txBody>
+        </p:sp>
+        <p:sp>
+          <p:nvSpPr>
+            <p:cNvPr id="9" name="Diamond 8">
+              <a:extLst>
+                <a:ext uri="{FF2B5EF4-FFF2-40B4-BE49-F238E27FC236}">
+                  <a16:creationId xmlns:a16="http://schemas.microsoft.com/office/drawing/2014/main" id="{AE6EB66C-B751-B59A-6778-7E41FB5E1A11}"/>
+                </a:ext>
+              </a:extLst>
+            </p:cNvPr>
+            <p:cNvSpPr/>
+            <p:nvPr/>
+          </p:nvSpPr>
+          <p:spPr>
+            <a:xfrm rot="2700000" flipH="1">
+              <a:off x="5986972" y="317899"/>
+              <a:ext cx="218049" cy="4346448"/>
+            </a:xfrm>
+            <a:prstGeom prst="diamond">
+              <a:avLst/>
+            </a:prstGeom>
+            <a:solidFill>
+              <a:srgbClr val="303841"/>
+            </a:solidFill>
+            <a:ln>
+              <a:noFill/>
+            </a:ln>
+          </p:spPr>
+          <p:style>
+            <a:lnRef idx="2">
+              <a:schemeClr val="accent1">
+                <a:shade val="15000"/>
+              </a:schemeClr>
+            </a:lnRef>
+            <a:fillRef idx="1">
+              <a:schemeClr val="accent1"/>
+            </a:fillRef>
+            <a:effectRef idx="0">
+              <a:schemeClr val="accent1"/>
+            </a:effectRef>
+            <a:fontRef idx="minor">
+              <a:schemeClr val="lt1"/>
+            </a:fontRef>
+          </p:style>
+          <p:txBody>
+            <a:bodyPr rtlCol="0" anchor="ctr"/>
+            <a:lstStyle/>
+            <a:p>
+              <a:pPr algn="ctr"/>
+              <a:endParaRPr lang="en-US"/>
+            </a:p>
+          </p:txBody>
+        </p:sp>
+        <p:sp>
+          <p:nvSpPr>
+            <p:cNvPr id="25" name="Freeform: Shape 24">
+              <a:extLst>
+                <a:ext uri="{FF2B5EF4-FFF2-40B4-BE49-F238E27FC236}">
+                  <a16:creationId xmlns:a16="http://schemas.microsoft.com/office/drawing/2014/main" id="{485C9792-C0D6-1DD0-BBB2-FC13F712D241}"/>
+                </a:ext>
+              </a:extLst>
+            </p:cNvPr>
+            <p:cNvSpPr/>
+            <p:nvPr/>
+          </p:nvSpPr>
+          <p:spPr>
+            <a:xfrm rot="2700000" flipH="1">
+              <a:off x="5811733" y="512058"/>
+              <a:ext cx="225460" cy="3200400"/>
+            </a:xfrm>
+            <a:custGeom>
+              <a:avLst/>
+              <a:gdLst>
+                <a:gd name="connsiteX0" fmla="*/ 113884 w 225460"/>
+                <a:gd name="connsiteY0" fmla="*/ 0 h 3166005"/>
+                <a:gd name="connsiteX1" fmla="*/ 0 w 225460"/>
+                <a:gd name="connsiteY1" fmla="*/ 3166005 h 3166005"/>
+                <a:gd name="connsiteX2" fmla="*/ 10821 w 225460"/>
+                <a:gd name="connsiteY2" fmla="*/ 3165991 h 3166005"/>
+                <a:gd name="connsiteX3" fmla="*/ 125119 w 225460"/>
+                <a:gd name="connsiteY3" fmla="*/ 3136626 h 3166005"/>
+                <a:gd name="connsiteX4" fmla="*/ 225460 w 225460"/>
+                <a:gd name="connsiteY4" fmla="*/ 3101833 h 3166005"/>
+              </a:gdLst>
+              <a:ahLst/>
+              <a:cxnLst>
+                <a:cxn ang="0">
+                  <a:pos x="connsiteX0" y="connsiteY0"/>
+                </a:cxn>
+                <a:cxn ang="0">
+                  <a:pos x="connsiteX1" y="connsiteY1"/>
+                </a:cxn>
+                <a:cxn ang="0">
+                  <a:pos x="connsiteX2" y="connsiteY2"/>
+                </a:cxn>
+                <a:cxn ang="0">
+                  <a:pos x="connsiteX3" y="connsiteY3"/>
+                </a:cxn>
+                <a:cxn ang="0">
+                  <a:pos x="connsiteX4" y="connsiteY4"/>
+                </a:cxn>
+              </a:cxnLst>
+              <a:rect l="l" t="t" r="r" b="b"/>
+              <a:pathLst>
+                <a:path w="225460" h="3166005">
+                  <a:moveTo>
+                    <a:pt x="113884" y="0"/>
+                  </a:moveTo>
+                  <a:lnTo>
+                    <a:pt x="0" y="3166005"/>
+                  </a:lnTo>
+                  <a:lnTo>
+                    <a:pt x="10821" y="3165991"/>
+                  </a:lnTo>
+                  <a:cubicBezTo>
+                    <a:pt x="49623" y="3157708"/>
+                    <a:pt x="87740" y="3147895"/>
+                    <a:pt x="125119" y="3136626"/>
+                  </a:cubicBezTo>
+                  <a:lnTo>
+                    <a:pt x="225460" y="3101833"/>
+                  </a:lnTo>
+                  <a:close/>
+                </a:path>
+              </a:pathLst>
+            </a:custGeom>
+            <a:solidFill>
+              <a:srgbClr val="8C94A1"/>
+            </a:solidFill>
+            <a:ln>
+              <a:noFill/>
+            </a:ln>
+          </p:spPr>
+          <p:style>
+            <a:lnRef idx="2">
+              <a:schemeClr val="accent1">
+                <a:shade val="15000"/>
+              </a:schemeClr>
+            </a:lnRef>
+            <a:fillRef idx="1">
+              <a:schemeClr val="accent1"/>
+            </a:fillRef>
+            <a:effectRef idx="0">
+              <a:schemeClr val="accent1"/>
+            </a:effectRef>
+            <a:fontRef idx="minor">
+              <a:schemeClr val="lt1"/>
+            </a:fontRef>
+          </p:style>
+          <p:txBody>
+            <a:bodyPr wrap="square" rtlCol="0" anchor="ctr">
+              <a:noAutofit/>
+            </a:bodyPr>
+            <a:lstStyle/>
+            <a:p>
+              <a:pPr algn="ctr"/>
+              <a:endParaRPr lang="en-US"/>
+            </a:p>
+          </p:txBody>
+        </p:sp>
+        <p:sp>
+          <p:nvSpPr>
+            <p:cNvPr id="26" name="Freeform: Shape 25">
+              <a:extLst>
+                <a:ext uri="{FF2B5EF4-FFF2-40B4-BE49-F238E27FC236}">
+                  <a16:creationId xmlns:a16="http://schemas.microsoft.com/office/drawing/2014/main" id="{3EE18E6C-9B9D-FD51-6AAD-300E3BFCE03F}"/>
+                </a:ext>
+              </a:extLst>
+            </p:cNvPr>
+            <p:cNvSpPr/>
+            <p:nvPr/>
+          </p:nvSpPr>
+          <p:spPr>
+            <a:xfrm rot="2700000">
+              <a:off x="6362133" y="1062456"/>
+              <a:ext cx="225460" cy="3200400"/>
+            </a:xfrm>
+            <a:custGeom>
+              <a:avLst/>
+              <a:gdLst>
+                <a:gd name="connsiteX0" fmla="*/ 113884 w 225460"/>
+                <a:gd name="connsiteY0" fmla="*/ 0 h 3166005"/>
+                <a:gd name="connsiteX1" fmla="*/ 0 w 225460"/>
+                <a:gd name="connsiteY1" fmla="*/ 3166005 h 3166005"/>
+                <a:gd name="connsiteX2" fmla="*/ 10821 w 225460"/>
+                <a:gd name="connsiteY2" fmla="*/ 3165991 h 3166005"/>
+                <a:gd name="connsiteX3" fmla="*/ 125119 w 225460"/>
+                <a:gd name="connsiteY3" fmla="*/ 3136626 h 3166005"/>
+                <a:gd name="connsiteX4" fmla="*/ 225460 w 225460"/>
+                <a:gd name="connsiteY4" fmla="*/ 3101833 h 3166005"/>
+              </a:gdLst>
+              <a:ahLst/>
+              <a:cxnLst>
+                <a:cxn ang="0">
+                  <a:pos x="connsiteX0" y="connsiteY0"/>
+                </a:cxn>
+                <a:cxn ang="0">
+                  <a:pos x="connsiteX1" y="connsiteY1"/>
+                </a:cxn>
+                <a:cxn ang="0">
+                  <a:pos x="connsiteX2" y="connsiteY2"/>
+                </a:cxn>
+                <a:cxn ang="0">
+                  <a:pos x="connsiteX3" y="connsiteY3"/>
+                </a:cxn>
+                <a:cxn ang="0">
+                  <a:pos x="connsiteX4" y="connsiteY4"/>
+                </a:cxn>
+              </a:cxnLst>
+              <a:rect l="l" t="t" r="r" b="b"/>
+              <a:pathLst>
+                <a:path w="225460" h="3166005">
+                  <a:moveTo>
+                    <a:pt x="113884" y="0"/>
+                  </a:moveTo>
+                  <a:lnTo>
+                    <a:pt x="0" y="3166005"/>
+                  </a:lnTo>
+                  <a:lnTo>
+                    <a:pt x="10821" y="3165991"/>
+                  </a:lnTo>
+                  <a:cubicBezTo>
+                    <a:pt x="49623" y="3157708"/>
+                    <a:pt x="87740" y="3147895"/>
+                    <a:pt x="125119" y="3136626"/>
+                  </a:cubicBezTo>
+                  <a:lnTo>
+                    <a:pt x="225460" y="3101833"/>
+                  </a:lnTo>
+                  <a:close/>
+                </a:path>
+              </a:pathLst>
+            </a:custGeom>
+            <a:solidFill>
+              <a:srgbClr val="8C94A1"/>
+            </a:solidFill>
+            <a:ln>
+              <a:noFill/>
+            </a:ln>
+          </p:spPr>
+          <p:style>
+            <a:lnRef idx="2">
+              <a:schemeClr val="accent1">
+                <a:shade val="15000"/>
+              </a:schemeClr>
+            </a:lnRef>
+            <a:fillRef idx="1">
+              <a:schemeClr val="accent1"/>
+            </a:fillRef>
+            <a:effectRef idx="0">
+              <a:schemeClr val="accent1"/>
+            </a:effectRef>
+            <a:fontRef idx="minor">
+              <a:schemeClr val="lt1"/>
+            </a:fontRef>
+          </p:style>
+          <p:txBody>
+            <a:bodyPr wrap="square" rtlCol="0" anchor="ctr">
+              <a:noAutofit/>
+            </a:bodyPr>
+            <a:lstStyle/>
+            <a:p>
+              <a:pPr algn="ctr"/>
+              <a:endParaRPr lang="en-US"/>
+            </a:p>
+          </p:txBody>
+        </p:sp>
+      </p:grpSp>
+    </p:spTree>
+    <p:extLst>
+      <p:ext uri="{BB962C8B-B14F-4D97-AF65-F5344CB8AC3E}">
+        <p14:creationId xmlns:p14="http://schemas.microsoft.com/office/powerpoint/2010/main" val="526278724"/>
+      </p:ext>
+    </p:extLst>
+  </p:cSld>
+  <p:clrMapOvr>
+    <a:masterClrMapping/>
+  </p:clrMapOvr>
+</p:sld>
+</file>
+
+<file path=ppt/slides/slide4.xml><?xml version="1.0" encoding="utf-8"?>
 <p:sld xmlns:a="http://schemas.openxmlformats.org/drawingml/2006/main" xmlns:r="http://schemas.openxmlformats.org/officeDocument/2006/relationships" xmlns:p="http://schemas.openxmlformats.org/presentationml/2006/main" show="0">
   <p:cSld>
     <p:spTree>
@@ -5665,7 +6660,7 @@
 </p:sld>
 </file>
 
-<file path=ppt/slides/slide4.xml><?xml version="1.0" encoding="utf-8"?>
+<file path=ppt/slides/slide5.xml><?xml version="1.0" encoding="utf-8"?>
 <p:sld xmlns:a="http://schemas.openxmlformats.org/drawingml/2006/main" xmlns:r="http://schemas.openxmlformats.org/officeDocument/2006/relationships" xmlns:p="http://schemas.openxmlformats.org/presentationml/2006/main" show="0">
   <p:cSld>
     <p:spTree>
@@ -6083,7 +7078,7 @@
 </p:sld>
 </file>
 
-<file path=ppt/slides/slide5.xml><?xml version="1.0" encoding="utf-8"?>
+<file path=ppt/slides/slide6.xml><?xml version="1.0" encoding="utf-8"?>
 <p:sld xmlns:a="http://schemas.openxmlformats.org/drawingml/2006/main" xmlns:r="http://schemas.openxmlformats.org/officeDocument/2006/relationships" xmlns:p="http://schemas.openxmlformats.org/presentationml/2006/main" show="0">
   <p:cSld>
     <p:spTree>
@@ -6479,7 +7474,7 @@
 </p:sld>
 </file>
 
-<file path=ppt/slides/slide6.xml><?xml version="1.0" encoding="utf-8"?>
+<file path=ppt/slides/slide7.xml><?xml version="1.0" encoding="utf-8"?>
 <p:sld xmlns:a="http://schemas.openxmlformats.org/drawingml/2006/main" xmlns:r="http://schemas.openxmlformats.org/officeDocument/2006/relationships" xmlns:p="http://schemas.openxmlformats.org/presentationml/2006/main" show="0">
   <p:cSld>
     <p:spTree>
@@ -7058,7 +8053,7 @@
 </p:sld>
 </file>
 
-<file path=ppt/slides/slide7.xml><?xml version="1.0" encoding="utf-8"?>
+<file path=ppt/slides/slide8.xml><?xml version="1.0" encoding="utf-8"?>
 <p:sld xmlns:a="http://schemas.openxmlformats.org/drawingml/2006/main" xmlns:r="http://schemas.openxmlformats.org/officeDocument/2006/relationships" xmlns:p="http://schemas.openxmlformats.org/presentationml/2006/main" show="0">
   <p:cSld>
     <p:spTree>
@@ -7525,7 +8520,7 @@
 </p:sld>
 </file>
 
-<file path=ppt/slides/slide8.xml><?xml version="1.0" encoding="utf-8"?>
+<file path=ppt/slides/slide9.xml><?xml version="1.0" encoding="utf-8"?>
 <p:sld xmlns:a="http://schemas.openxmlformats.org/drawingml/2006/main" xmlns:r="http://schemas.openxmlformats.org/officeDocument/2006/relationships" xmlns:p="http://schemas.openxmlformats.org/presentationml/2006/main" show="0">
   <p:cSld>
     <p:spTree>
@@ -7993,571 +8988,6 @@
     <p:extLst>
       <p:ext uri="{BB962C8B-B14F-4D97-AF65-F5344CB8AC3E}">
         <p14:creationId xmlns:p14="http://schemas.microsoft.com/office/powerpoint/2010/main" val="97920111"/>
-      </p:ext>
-    </p:extLst>
-  </p:cSld>
-  <p:clrMapOvr>
-    <a:masterClrMapping/>
-  </p:clrMapOvr>
-</p:sld>
-</file>
-
-<file path=ppt/slides/slide9.xml><?xml version="1.0" encoding="utf-8"?>
-<p:sld xmlns:a="http://schemas.openxmlformats.org/drawingml/2006/main" xmlns:r="http://schemas.openxmlformats.org/officeDocument/2006/relationships" xmlns:p="http://schemas.openxmlformats.org/presentationml/2006/main" show="0">
-  <p:cSld>
-    <p:spTree>
-      <p:nvGrpSpPr>
-        <p:cNvPr id="1" name="">
-          <a:extLst>
-            <a:ext uri="{FF2B5EF4-FFF2-40B4-BE49-F238E27FC236}">
-              <a16:creationId xmlns:a16="http://schemas.microsoft.com/office/drawing/2014/main" id="{963792F3-5258-B44A-DFDD-65D4AB53C4A4}"/>
-            </a:ext>
-          </a:extLst>
-        </p:cNvPr>
-        <p:cNvGrpSpPr/>
-        <p:nvPr/>
-      </p:nvGrpSpPr>
-      <p:grpSpPr>
-        <a:xfrm>
-          <a:off x="0" y="0"/>
-          <a:ext cx="0" cy="0"/>
-          <a:chOff x="0" y="0"/>
-          <a:chExt cx="0" cy="0"/>
-        </a:xfrm>
-      </p:grpSpPr>
-      <p:sp>
-        <p:nvSpPr>
-          <p:cNvPr id="6" name="TextBox 5">
-            <a:extLst>
-              <a:ext uri="{FF2B5EF4-FFF2-40B4-BE49-F238E27FC236}">
-                <a16:creationId xmlns:a16="http://schemas.microsoft.com/office/drawing/2014/main" id="{B5D1ABAE-0C93-2F4D-B3E3-CC16EFFB2960}"/>
-              </a:ext>
-            </a:extLst>
-          </p:cNvPr>
-          <p:cNvSpPr txBox="1"/>
-          <p:nvPr/>
-        </p:nvSpPr>
-        <p:spPr>
-          <a:xfrm>
-            <a:off x="4551936" y="2081493"/>
-            <a:ext cx="2737021" cy="738664"/>
-          </a:xfrm>
-          <a:prstGeom prst="rect">
-            <a:avLst/>
-          </a:prstGeom>
-          <a:noFill/>
-        </p:spPr>
-        <p:txBody>
-          <a:bodyPr wrap="square" tIns="0" bIns="0" rtlCol="0" anchor="ctr">
-            <a:spAutoFit/>
-          </a:bodyPr>
-          <a:lstStyle/>
-          <a:p>
-            <a:r>
-              <a:rPr lang="en-US" sz="4800" dirty="0">
-                <a:solidFill>
-                  <a:srgbClr val="3A424B"/>
-                </a:solidFill>
-                <a:latin typeface="Bellefair" panose="00000500000000000000" pitchFamily="2" charset="-79"/>
-                <a:cs typeface="Bellefair" panose="00000500000000000000" pitchFamily="2" charset="-79"/>
-              </a:rPr>
-              <a:t>CAPITAL</a:t>
-            </a:r>
-          </a:p>
-        </p:txBody>
-      </p:sp>
-      <p:sp>
-        <p:nvSpPr>
-          <p:cNvPr id="4" name="Rectangle 3">
-            <a:extLst>
-              <a:ext uri="{FF2B5EF4-FFF2-40B4-BE49-F238E27FC236}">
-                <a16:creationId xmlns:a16="http://schemas.microsoft.com/office/drawing/2014/main" id="{BC560EE2-B102-F04C-17C4-7391833BE9A4}"/>
-              </a:ext>
-            </a:extLst>
-          </p:cNvPr>
-          <p:cNvSpPr/>
-          <p:nvPr/>
-        </p:nvSpPr>
-        <p:spPr>
-          <a:xfrm>
-            <a:off x="3352798" y="685800"/>
-            <a:ext cx="5486400" cy="5486400"/>
-          </a:xfrm>
-          <a:prstGeom prst="rect">
-            <a:avLst/>
-          </a:prstGeom>
-          <a:noFill/>
-          <a:ln>
-            <a:noFill/>
-          </a:ln>
-        </p:spPr>
-        <p:style>
-          <a:lnRef idx="2">
-            <a:schemeClr val="accent1">
-              <a:shade val="15000"/>
-            </a:schemeClr>
-          </a:lnRef>
-          <a:fillRef idx="1">
-            <a:schemeClr val="accent1"/>
-          </a:fillRef>
-          <a:effectRef idx="0">
-            <a:schemeClr val="accent1"/>
-          </a:effectRef>
-          <a:fontRef idx="minor">
-            <a:schemeClr val="lt1"/>
-          </a:fontRef>
-        </p:style>
-        <p:txBody>
-          <a:bodyPr rtlCol="0" anchor="ctr"/>
-          <a:lstStyle/>
-          <a:p>
-            <a:pPr algn="ctr"/>
-            <a:endParaRPr lang="en-US"/>
-          </a:p>
-        </p:txBody>
-      </p:sp>
-      <p:grpSp>
-        <p:nvGrpSpPr>
-          <p:cNvPr id="10" name="Group 9">
-            <a:extLst>
-              <a:ext uri="{FF2B5EF4-FFF2-40B4-BE49-F238E27FC236}">
-                <a16:creationId xmlns:a16="http://schemas.microsoft.com/office/drawing/2014/main" id="{501D348E-7163-DC82-E9D3-C83D284F4F4E}"/>
-              </a:ext>
-            </a:extLst>
-          </p:cNvPr>
-          <p:cNvGrpSpPr/>
-          <p:nvPr/>
-        </p:nvGrpSpPr>
-        <p:grpSpPr>
-          <a:xfrm rot="2700000">
-            <a:off x="2068828" y="863346"/>
-            <a:ext cx="2377440" cy="3645408"/>
-            <a:chOff x="4907278" y="1606296"/>
-            <a:chExt cx="2377440" cy="3645408"/>
-          </a:xfrm>
-        </p:grpSpPr>
-        <p:sp>
-          <p:nvSpPr>
-            <p:cNvPr id="5" name="Arc 4">
-              <a:extLst>
-                <a:ext uri="{FF2B5EF4-FFF2-40B4-BE49-F238E27FC236}">
-                  <a16:creationId xmlns:a16="http://schemas.microsoft.com/office/drawing/2014/main" id="{2D4B8A0E-5B61-21D7-9A98-117D8205996C}"/>
-                </a:ext>
-              </a:extLst>
-            </p:cNvPr>
-            <p:cNvSpPr/>
-            <p:nvPr/>
-          </p:nvSpPr>
-          <p:spPr>
-            <a:xfrm>
-              <a:off x="4907278" y="2240280"/>
-              <a:ext cx="2377440" cy="2377440"/>
-            </a:xfrm>
-            <a:prstGeom prst="arc">
-              <a:avLst>
-                <a:gd name="adj1" fmla="val 6123059"/>
-                <a:gd name="adj2" fmla="val 4685514"/>
-              </a:avLst>
-            </a:prstGeom>
-            <a:noFill/>
-            <a:ln w="76200">
-              <a:solidFill>
-                <a:srgbClr val="3264B4"/>
-              </a:solidFill>
-            </a:ln>
-          </p:spPr>
-          <p:style>
-            <a:lnRef idx="2">
-              <a:schemeClr val="accent1"/>
-            </a:lnRef>
-            <a:fillRef idx="0">
-              <a:schemeClr val="accent1"/>
-            </a:fillRef>
-            <a:effectRef idx="1">
-              <a:schemeClr val="accent1"/>
-            </a:effectRef>
-            <a:fontRef idx="minor">
-              <a:schemeClr val="tx1"/>
-            </a:fontRef>
-          </p:style>
-          <p:txBody>
-            <a:bodyPr rtlCol="0" anchor="ctr"/>
-            <a:lstStyle/>
-            <a:p>
-              <a:pPr algn="ctr"/>
-              <a:endParaRPr lang="en-US"/>
-            </a:p>
-          </p:txBody>
-        </p:sp>
-        <p:sp>
-          <p:nvSpPr>
-            <p:cNvPr id="9" name="Diamond 8">
-              <a:extLst>
-                <a:ext uri="{FF2B5EF4-FFF2-40B4-BE49-F238E27FC236}">
-                  <a16:creationId xmlns:a16="http://schemas.microsoft.com/office/drawing/2014/main" id="{0A487B34-A231-577E-B130-E59765FF0AF6}"/>
-                </a:ext>
-              </a:extLst>
-            </p:cNvPr>
-            <p:cNvSpPr/>
-            <p:nvPr/>
-          </p:nvSpPr>
-          <p:spPr>
-            <a:xfrm flipH="1">
-              <a:off x="6004558" y="1606296"/>
-              <a:ext cx="182880" cy="3645408"/>
-            </a:xfrm>
-            <a:prstGeom prst="diamond">
-              <a:avLst/>
-            </a:prstGeom>
-            <a:solidFill>
-              <a:srgbClr val="3A424B"/>
-            </a:solidFill>
-            <a:ln>
-              <a:noFill/>
-            </a:ln>
-          </p:spPr>
-          <p:style>
-            <a:lnRef idx="2">
-              <a:schemeClr val="accent1">
-                <a:shade val="15000"/>
-              </a:schemeClr>
-            </a:lnRef>
-            <a:fillRef idx="1">
-              <a:schemeClr val="accent1"/>
-            </a:fillRef>
-            <a:effectRef idx="0">
-              <a:schemeClr val="accent1"/>
-            </a:effectRef>
-            <a:fontRef idx="minor">
-              <a:schemeClr val="lt1"/>
-            </a:fontRef>
-          </p:style>
-          <p:txBody>
-            <a:bodyPr rtlCol="0" anchor="ctr"/>
-            <a:lstStyle/>
-            <a:p>
-              <a:pPr algn="ctr"/>
-              <a:endParaRPr lang="en-US"/>
-            </a:p>
-          </p:txBody>
-        </p:sp>
-        <p:sp>
-          <p:nvSpPr>
-            <p:cNvPr id="12" name="Isosceles Triangle 10">
-              <a:extLst>
-                <a:ext uri="{FF2B5EF4-FFF2-40B4-BE49-F238E27FC236}">
-                  <a16:creationId xmlns:a16="http://schemas.microsoft.com/office/drawing/2014/main" id="{2DA9FCB6-69EF-3D47-BFFF-DD0F050585BC}"/>
-                </a:ext>
-              </a:extLst>
-            </p:cNvPr>
-            <p:cNvSpPr/>
-            <p:nvPr/>
-          </p:nvSpPr>
-          <p:spPr>
-            <a:xfrm flipH="1">
-              <a:off x="5672765" y="1944409"/>
-              <a:ext cx="192405" cy="2694432"/>
-            </a:xfrm>
-            <a:custGeom>
-              <a:avLst/>
-              <a:gdLst>
-                <a:gd name="connsiteX0" fmla="*/ 0 w 182880"/>
-                <a:gd name="connsiteY0" fmla="*/ 5029200 h 5029200"/>
-                <a:gd name="connsiteX1" fmla="*/ 91440 w 182880"/>
-                <a:gd name="connsiteY1" fmla="*/ 0 h 5029200"/>
-                <a:gd name="connsiteX2" fmla="*/ 182880 w 182880"/>
-                <a:gd name="connsiteY2" fmla="*/ 5029200 h 5029200"/>
-                <a:gd name="connsiteX3" fmla="*/ 0 w 182880"/>
-                <a:gd name="connsiteY3" fmla="*/ 5029200 h 5029200"/>
-                <a:gd name="connsiteX0" fmla="*/ 0 w 182880"/>
-                <a:gd name="connsiteY0" fmla="*/ 5075853 h 5075853"/>
-                <a:gd name="connsiteX1" fmla="*/ 91440 w 182880"/>
-                <a:gd name="connsiteY1" fmla="*/ 0 h 5075853"/>
-                <a:gd name="connsiteX2" fmla="*/ 182880 w 182880"/>
-                <a:gd name="connsiteY2" fmla="*/ 5029200 h 5075853"/>
-                <a:gd name="connsiteX3" fmla="*/ 0 w 182880"/>
-                <a:gd name="connsiteY3" fmla="*/ 5075853 h 5075853"/>
-                <a:gd name="connsiteX0" fmla="*/ 0 w 192405"/>
-                <a:gd name="connsiteY0" fmla="*/ 5075853 h 5075853"/>
-                <a:gd name="connsiteX1" fmla="*/ 91440 w 192405"/>
-                <a:gd name="connsiteY1" fmla="*/ 0 h 5075853"/>
-                <a:gd name="connsiteX2" fmla="*/ 192405 w 192405"/>
-                <a:gd name="connsiteY2" fmla="*/ 5011256 h 5075853"/>
-                <a:gd name="connsiteX3" fmla="*/ 0 w 192405"/>
-                <a:gd name="connsiteY3" fmla="*/ 5075853 h 5075853"/>
-                <a:gd name="connsiteX0" fmla="*/ 0 w 192405"/>
-                <a:gd name="connsiteY0" fmla="*/ 5075853 h 5075853"/>
-                <a:gd name="connsiteX1" fmla="*/ 91440 w 192405"/>
-                <a:gd name="connsiteY1" fmla="*/ 0 h 5075853"/>
-                <a:gd name="connsiteX2" fmla="*/ 192405 w 192405"/>
-                <a:gd name="connsiteY2" fmla="*/ 4985288 h 5075853"/>
-                <a:gd name="connsiteX3" fmla="*/ 0 w 192405"/>
-                <a:gd name="connsiteY3" fmla="*/ 5075853 h 5075853"/>
-                <a:gd name="connsiteX0" fmla="*/ 0 w 192405"/>
-                <a:gd name="connsiteY0" fmla="*/ 5075853 h 5075853"/>
-                <a:gd name="connsiteX1" fmla="*/ 91440 w 192405"/>
-                <a:gd name="connsiteY1" fmla="*/ 0 h 5075853"/>
-                <a:gd name="connsiteX2" fmla="*/ 192405 w 192405"/>
-                <a:gd name="connsiteY2" fmla="*/ 4942007 h 5075853"/>
-                <a:gd name="connsiteX3" fmla="*/ 0 w 192405"/>
-                <a:gd name="connsiteY3" fmla="*/ 5075853 h 5075853"/>
-                <a:gd name="connsiteX0" fmla="*/ 0 w 192405"/>
-                <a:gd name="connsiteY0" fmla="*/ 5075853 h 5075853"/>
-                <a:gd name="connsiteX1" fmla="*/ 91440 w 192405"/>
-                <a:gd name="connsiteY1" fmla="*/ 0 h 5075853"/>
-                <a:gd name="connsiteX2" fmla="*/ 192405 w 192405"/>
-                <a:gd name="connsiteY2" fmla="*/ 4985288 h 5075853"/>
-                <a:gd name="connsiteX3" fmla="*/ 0 w 192405"/>
-                <a:gd name="connsiteY3" fmla="*/ 5075853 h 5075853"/>
-              </a:gdLst>
-              <a:ahLst/>
-              <a:cxnLst>
-                <a:cxn ang="0">
-                  <a:pos x="connsiteX0" y="connsiteY0"/>
-                </a:cxn>
-                <a:cxn ang="0">
-                  <a:pos x="connsiteX1" y="connsiteY1"/>
-                </a:cxn>
-                <a:cxn ang="0">
-                  <a:pos x="connsiteX2" y="connsiteY2"/>
-                </a:cxn>
-                <a:cxn ang="0">
-                  <a:pos x="connsiteX3" y="connsiteY3"/>
-                </a:cxn>
-              </a:cxnLst>
-              <a:rect l="l" t="t" r="r" b="b"/>
-              <a:pathLst>
-                <a:path w="192405" h="5075853">
-                  <a:moveTo>
-                    <a:pt x="0" y="5075853"/>
-                  </a:moveTo>
-                  <a:lnTo>
-                    <a:pt x="91440" y="0"/>
-                  </a:lnTo>
-                  <a:lnTo>
-                    <a:pt x="192405" y="4985288"/>
-                  </a:lnTo>
-                  <a:lnTo>
-                    <a:pt x="0" y="5075853"/>
-                  </a:lnTo>
-                  <a:close/>
-                </a:path>
-              </a:pathLst>
-            </a:custGeom>
-            <a:solidFill>
-              <a:srgbClr val="B3BAC5"/>
-            </a:solidFill>
-            <a:ln>
-              <a:noFill/>
-            </a:ln>
-          </p:spPr>
-          <p:style>
-            <a:lnRef idx="2">
-              <a:schemeClr val="accent1">
-                <a:shade val="15000"/>
-              </a:schemeClr>
-            </a:lnRef>
-            <a:fillRef idx="1">
-              <a:schemeClr val="accent1"/>
-            </a:fillRef>
-            <a:effectRef idx="0">
-              <a:schemeClr val="accent1"/>
-            </a:effectRef>
-            <a:fontRef idx="minor">
-              <a:schemeClr val="lt1"/>
-            </a:fontRef>
-          </p:style>
-          <p:txBody>
-            <a:bodyPr rtlCol="0" anchor="ctr"/>
-            <a:lstStyle/>
-            <a:p>
-              <a:pPr algn="ctr"/>
-              <a:endParaRPr lang="en-US"/>
-            </a:p>
-          </p:txBody>
-        </p:sp>
-        <p:sp>
-          <p:nvSpPr>
-            <p:cNvPr id="8" name="Isosceles Triangle 10">
-              <a:extLst>
-                <a:ext uri="{FF2B5EF4-FFF2-40B4-BE49-F238E27FC236}">
-                  <a16:creationId xmlns:a16="http://schemas.microsoft.com/office/drawing/2014/main" id="{253268CC-688F-366E-E9A2-E6C41A65CC40}"/>
-                </a:ext>
-              </a:extLst>
-            </p:cNvPr>
-            <p:cNvSpPr/>
-            <p:nvPr/>
-          </p:nvSpPr>
-          <p:spPr>
-            <a:xfrm>
-              <a:off x="6326826" y="1944409"/>
-              <a:ext cx="192405" cy="2694432"/>
-            </a:xfrm>
-            <a:custGeom>
-              <a:avLst/>
-              <a:gdLst>
-                <a:gd name="connsiteX0" fmla="*/ 0 w 182880"/>
-                <a:gd name="connsiteY0" fmla="*/ 5029200 h 5029200"/>
-                <a:gd name="connsiteX1" fmla="*/ 91440 w 182880"/>
-                <a:gd name="connsiteY1" fmla="*/ 0 h 5029200"/>
-                <a:gd name="connsiteX2" fmla="*/ 182880 w 182880"/>
-                <a:gd name="connsiteY2" fmla="*/ 5029200 h 5029200"/>
-                <a:gd name="connsiteX3" fmla="*/ 0 w 182880"/>
-                <a:gd name="connsiteY3" fmla="*/ 5029200 h 5029200"/>
-                <a:gd name="connsiteX0" fmla="*/ 0 w 182880"/>
-                <a:gd name="connsiteY0" fmla="*/ 5075853 h 5075853"/>
-                <a:gd name="connsiteX1" fmla="*/ 91440 w 182880"/>
-                <a:gd name="connsiteY1" fmla="*/ 0 h 5075853"/>
-                <a:gd name="connsiteX2" fmla="*/ 182880 w 182880"/>
-                <a:gd name="connsiteY2" fmla="*/ 5029200 h 5075853"/>
-                <a:gd name="connsiteX3" fmla="*/ 0 w 182880"/>
-                <a:gd name="connsiteY3" fmla="*/ 5075853 h 5075853"/>
-                <a:gd name="connsiteX0" fmla="*/ 0 w 192405"/>
-                <a:gd name="connsiteY0" fmla="*/ 5075853 h 5075853"/>
-                <a:gd name="connsiteX1" fmla="*/ 91440 w 192405"/>
-                <a:gd name="connsiteY1" fmla="*/ 0 h 5075853"/>
-                <a:gd name="connsiteX2" fmla="*/ 192405 w 192405"/>
-                <a:gd name="connsiteY2" fmla="*/ 5011256 h 5075853"/>
-                <a:gd name="connsiteX3" fmla="*/ 0 w 192405"/>
-                <a:gd name="connsiteY3" fmla="*/ 5075853 h 5075853"/>
-                <a:gd name="connsiteX0" fmla="*/ 0 w 192405"/>
-                <a:gd name="connsiteY0" fmla="*/ 5075853 h 5075853"/>
-                <a:gd name="connsiteX1" fmla="*/ 91440 w 192405"/>
-                <a:gd name="connsiteY1" fmla="*/ 0 h 5075853"/>
-                <a:gd name="connsiteX2" fmla="*/ 192405 w 192405"/>
-                <a:gd name="connsiteY2" fmla="*/ 4985288 h 5075853"/>
-                <a:gd name="connsiteX3" fmla="*/ 0 w 192405"/>
-                <a:gd name="connsiteY3" fmla="*/ 5075853 h 5075853"/>
-                <a:gd name="connsiteX0" fmla="*/ 0 w 192405"/>
-                <a:gd name="connsiteY0" fmla="*/ 5075853 h 5075853"/>
-                <a:gd name="connsiteX1" fmla="*/ 91440 w 192405"/>
-                <a:gd name="connsiteY1" fmla="*/ 0 h 5075853"/>
-                <a:gd name="connsiteX2" fmla="*/ 192405 w 192405"/>
-                <a:gd name="connsiteY2" fmla="*/ 4942007 h 5075853"/>
-                <a:gd name="connsiteX3" fmla="*/ 0 w 192405"/>
-                <a:gd name="connsiteY3" fmla="*/ 5075853 h 5075853"/>
-                <a:gd name="connsiteX0" fmla="*/ 0 w 192405"/>
-                <a:gd name="connsiteY0" fmla="*/ 5075853 h 5075853"/>
-                <a:gd name="connsiteX1" fmla="*/ 91440 w 192405"/>
-                <a:gd name="connsiteY1" fmla="*/ 0 h 5075853"/>
-                <a:gd name="connsiteX2" fmla="*/ 192405 w 192405"/>
-                <a:gd name="connsiteY2" fmla="*/ 4985288 h 5075853"/>
-                <a:gd name="connsiteX3" fmla="*/ 0 w 192405"/>
-                <a:gd name="connsiteY3" fmla="*/ 5075853 h 5075853"/>
-              </a:gdLst>
-              <a:ahLst/>
-              <a:cxnLst>
-                <a:cxn ang="0">
-                  <a:pos x="connsiteX0" y="connsiteY0"/>
-                </a:cxn>
-                <a:cxn ang="0">
-                  <a:pos x="connsiteX1" y="connsiteY1"/>
-                </a:cxn>
-                <a:cxn ang="0">
-                  <a:pos x="connsiteX2" y="connsiteY2"/>
-                </a:cxn>
-                <a:cxn ang="0">
-                  <a:pos x="connsiteX3" y="connsiteY3"/>
-                </a:cxn>
-              </a:cxnLst>
-              <a:rect l="l" t="t" r="r" b="b"/>
-              <a:pathLst>
-                <a:path w="192405" h="5075853">
-                  <a:moveTo>
-                    <a:pt x="0" y="5075853"/>
-                  </a:moveTo>
-                  <a:lnTo>
-                    <a:pt x="91440" y="0"/>
-                  </a:lnTo>
-                  <a:lnTo>
-                    <a:pt x="192405" y="4985288"/>
-                  </a:lnTo>
-                  <a:lnTo>
-                    <a:pt x="0" y="5075853"/>
-                  </a:lnTo>
-                  <a:close/>
-                </a:path>
-              </a:pathLst>
-            </a:custGeom>
-            <a:solidFill>
-              <a:srgbClr val="B3BAC5"/>
-            </a:solidFill>
-            <a:ln>
-              <a:noFill/>
-            </a:ln>
-          </p:spPr>
-          <p:style>
-            <a:lnRef idx="2">
-              <a:schemeClr val="accent1">
-                <a:shade val="15000"/>
-              </a:schemeClr>
-            </a:lnRef>
-            <a:fillRef idx="1">
-              <a:schemeClr val="accent1"/>
-            </a:fillRef>
-            <a:effectRef idx="0">
-              <a:schemeClr val="accent1"/>
-            </a:effectRef>
-            <a:fontRef idx="minor">
-              <a:schemeClr val="lt1"/>
-            </a:fontRef>
-          </p:style>
-          <p:txBody>
-            <a:bodyPr rtlCol="0" anchor="ctr"/>
-            <a:lstStyle/>
-            <a:p>
-              <a:pPr algn="ctr"/>
-              <a:endParaRPr lang="en-US"/>
-            </a:p>
-          </p:txBody>
-        </p:sp>
-      </p:grpSp>
-      <p:sp>
-        <p:nvSpPr>
-          <p:cNvPr id="14" name="TextBox 13">
-            <a:extLst>
-              <a:ext uri="{FF2B5EF4-FFF2-40B4-BE49-F238E27FC236}">
-                <a16:creationId xmlns:a16="http://schemas.microsoft.com/office/drawing/2014/main" id="{0F683D77-A3B4-188E-36DC-F10EFC3770B0}"/>
-              </a:ext>
-            </a:extLst>
-          </p:cNvPr>
-          <p:cNvSpPr txBox="1"/>
-          <p:nvPr/>
-        </p:nvSpPr>
-        <p:spPr>
-          <a:xfrm>
-            <a:off x="4554887" y="2820157"/>
-            <a:ext cx="2829485" cy="677108"/>
-          </a:xfrm>
-          <a:prstGeom prst="rect">
-            <a:avLst/>
-          </a:prstGeom>
-          <a:noFill/>
-        </p:spPr>
-        <p:txBody>
-          <a:bodyPr wrap="square" tIns="0" bIns="0" anchor="ctr">
-            <a:spAutoFit/>
-          </a:bodyPr>
-          <a:lstStyle/>
-          <a:p>
-            <a:r>
-              <a:rPr lang="en-US" sz="4400" dirty="0">
-                <a:solidFill>
-                  <a:srgbClr val="3A424B"/>
-                </a:solidFill>
-                <a:latin typeface="Bellefair" panose="00000500000000000000" pitchFamily="2" charset="-79"/>
-                <a:cs typeface="Bellefair" panose="00000500000000000000" pitchFamily="2" charset="-79"/>
-              </a:rPr>
-              <a:t>TRACKER</a:t>
-            </a:r>
-            <a:endParaRPr lang="en-US" dirty="0"/>
-          </a:p>
-        </p:txBody>
-      </p:sp>
-    </p:spTree>
-    <p:extLst>
-      <p:ext uri="{BB962C8B-B14F-4D97-AF65-F5344CB8AC3E}">
-        <p14:creationId xmlns:p14="http://schemas.microsoft.com/office/powerpoint/2010/main" val="1593228765"/>
       </p:ext>
     </p:extLst>
   </p:cSld>
